--- a/milestone 3/Fake News Detection.pptx
+++ b/milestone 3/Fake News Detection.pptx
@@ -1581,7 +1581,7 @@
         </p:nvSpPr>
         <p:spPr>
           <a:xfrm>
-            <a:off x="381300" y="685800"/>
+            <a:off x="381000" y="685800"/>
             <a:ext cx="6096000" cy="3429000"/>
           </a:xfrm>
           <a:custGeom>
@@ -8573,7 +8573,7 @@
         </p:spPr>
         <p:txBody>
           <a:bodyPr spcFirstLastPara="1" wrap="square" lIns="91425" tIns="91425" rIns="91425" bIns="91425" anchor="t" anchorCtr="0">
-            <a:normAutofit fontScale="92500" lnSpcReduction="20000"/>
+            <a:normAutofit fontScale="92500" lnSpcReduction="10000"/>
           </a:bodyPr>
           <a:lstStyle/>
           <a:p>
@@ -8587,35 +8587,35 @@
               <a:buNone/>
             </a:pPr>
             <a:r>
-              <a:rPr lang="en-US" altLang="zh-CN" dirty="0" err="1"/>
+              <a:rPr lang="en-US" altLang="zh-CN" sz="1800" dirty="0" err="1"/>
               <a:t>Kaiwen</a:t>
             </a:r>
             <a:r>
-              <a:rPr lang="en-US" altLang="zh-CN" dirty="0"/>
+              <a:rPr lang="en-US" altLang="zh-CN" sz="1800" dirty="0"/>
               <a:t> Hu, </a:t>
             </a:r>
             <a:r>
-              <a:rPr lang="en-US" altLang="zh-CN" dirty="0" err="1"/>
+              <a:rPr lang="en-US" altLang="zh-CN" sz="1800" dirty="0" err="1"/>
               <a:t>Yijia</a:t>
             </a:r>
             <a:r>
-              <a:rPr lang="en-US" altLang="zh-CN" dirty="0"/>
+              <a:rPr lang="en-US" altLang="zh-CN" sz="1800" dirty="0"/>
               <a:t> Xue, </a:t>
             </a:r>
             <a:r>
-              <a:rPr lang="en-US" altLang="zh-CN" dirty="0" err="1"/>
+              <a:rPr lang="en-US" altLang="zh-CN" sz="1800" dirty="0" err="1"/>
               <a:t>Yuzhao</a:t>
             </a:r>
             <a:r>
-              <a:rPr lang="en-US" altLang="zh-CN" dirty="0"/>
+              <a:rPr lang="en-US" altLang="zh-CN" sz="1800" dirty="0"/>
               <a:t> Kang, </a:t>
             </a:r>
             <a:r>
-              <a:rPr lang="en-US" altLang="zh-CN" dirty="0" err="1"/>
+              <a:rPr lang="en-US" altLang="zh-CN" sz="1800" dirty="0" err="1"/>
               <a:t>Zhixuan</a:t>
             </a:r>
             <a:r>
-              <a:rPr lang="en-US" altLang="zh-CN" dirty="0"/>
+              <a:rPr lang="en-US" altLang="zh-CN" sz="1800" dirty="0"/>
               <a:t> Li</a:t>
             </a:r>
           </a:p>
@@ -8710,14 +8710,14 @@
           <p:nvPr>
             <p:extLst>
               <p:ext uri="{D42A27DB-BD31-4B8C-83A1-F6EECF244321}">
-                <p14:modId xmlns:p14="http://schemas.microsoft.com/office/powerpoint/2010/main" val="4218936171"/>
+                <p14:modId xmlns:p14="http://schemas.microsoft.com/office/powerpoint/2010/main" val="1716658513"/>
               </p:ext>
             </p:extLst>
           </p:nvPr>
         </p:nvGraphicFramePr>
         <p:xfrm>
           <a:off x="952500" y="1809750"/>
-          <a:ext cx="7239000" cy="1595953"/>
+          <a:ext cx="7239000" cy="2224920"/>
         </p:xfrm>
         <a:graphic>
           <a:graphicData uri="http://schemas.openxmlformats.org/drawingml/2006/table">
@@ -8841,10 +8841,29 @@
                         <a:buNone/>
                       </a:pPr>
                       <a:r>
-                        <a:rPr lang="zh-CN"/>
+                        <a:rPr lang="zh-CN" dirty="0"/>
                         <a:t>Simple Baseline</a:t>
                       </a:r>
-                      <a:endParaRPr/>
+                      <a:r>
+                        <a:rPr lang="en-US" altLang="zh-CN" dirty="0"/>
+                        <a:t>:</a:t>
+                      </a:r>
+                    </a:p>
+                    <a:p>
+                      <a:pPr marL="0" lvl="0" indent="0" algn="ctr" rtl="0">
+                        <a:spcBef>
+                          <a:spcPts val="0"/>
+                        </a:spcBef>
+                        <a:spcAft>
+                          <a:spcPts val="0"/>
+                        </a:spcAft>
+                        <a:buNone/>
+                      </a:pPr>
+                      <a:r>
+                        <a:rPr lang="en-US" altLang="zh-CN" dirty="0"/>
+                        <a:t>Feed Forward Network</a:t>
+                      </a:r>
+                      <a:endParaRPr dirty="0"/>
                     </a:p>
                   </a:txBody>
                   <a:tcPr marL="91425" marR="91425" marT="91425" marB="91425"/>
@@ -8872,10 +8891,10 @@
                         <a:buNone/>
                       </a:pPr>
                       <a:r>
-                        <a:rPr lang="zh-CN"/>
+                        <a:rPr lang="zh-CN" dirty="0"/>
                         <a:t>64.72%</a:t>
                       </a:r>
-                      <a:endParaRPr/>
+                      <a:endParaRPr dirty="0"/>
                     </a:p>
                   </a:txBody>
                   <a:tcPr marL="91425" marR="91425" marT="91425" marB="91425"/>
@@ -8925,10 +8944,29 @@
                         <a:buNone/>
                       </a:pPr>
                       <a:r>
-                        <a:rPr lang="zh-CN"/>
+                        <a:rPr lang="zh-CN" dirty="0"/>
                         <a:t>Strong Baseline</a:t>
                       </a:r>
-                      <a:endParaRPr/>
+                      <a:r>
+                        <a:rPr lang="en-US" altLang="zh-CN" dirty="0"/>
+                        <a:t>:</a:t>
+                      </a:r>
+                    </a:p>
+                    <a:p>
+                      <a:pPr marL="0" lvl="0" indent="0" algn="ctr" rtl="0">
+                        <a:spcBef>
+                          <a:spcPts val="0"/>
+                        </a:spcBef>
+                        <a:spcAft>
+                          <a:spcPts val="0"/>
+                        </a:spcAft>
+                        <a:buNone/>
+                      </a:pPr>
+                      <a:r>
+                        <a:rPr lang="en-US" dirty="0"/>
+                        <a:t>LSTM</a:t>
+                      </a:r>
+                      <a:endParaRPr dirty="0"/>
                     </a:p>
                   </a:txBody>
                   <a:tcPr marL="91425" marR="91425" marT="91425" marB="91425"/>
@@ -8948,10 +8986,14 @@
                         <a:buNone/>
                       </a:pPr>
                       <a:r>
-                        <a:rPr lang="zh-CN"/>
-                        <a:t>64.56%</a:t>
+                        <a:rPr lang="en-US" altLang="zh-CN" dirty="0"/>
+                        <a:t>61.64</a:t>
                       </a:r>
-                      <a:endParaRPr sz="1700"/>
+                      <a:r>
+                        <a:rPr lang="zh-CN" dirty="0"/>
+                        <a:t>%</a:t>
+                      </a:r>
+                      <a:endParaRPr sz="1700" dirty="0"/>
                     </a:p>
                   </a:txBody>
                   <a:tcPr marL="91425" marR="91425" marT="91425" marB="91425"/>
@@ -8971,10 +9013,14 @@
                         <a:buNone/>
                       </a:pPr>
                       <a:r>
-                        <a:rPr lang="zh-CN"/>
-                        <a:t>0.35</a:t>
+                        <a:rPr lang="zh-CN" dirty="0"/>
+                        <a:t>0.</a:t>
                       </a:r>
-                      <a:endParaRPr/>
+                      <a:r>
+                        <a:rPr lang="en-US" altLang="zh-CN" dirty="0"/>
+                        <a:t>52</a:t>
+                      </a:r>
+                      <a:endParaRPr dirty="0"/>
                     </a:p>
                   </a:txBody>
                   <a:tcPr marL="91425" marR="91425" marT="91425" marB="91425"/>
@@ -9008,6 +9054,25 @@
                         <a:rPr lang="zh-CN" dirty="0"/>
                         <a:t>-1</a:t>
                       </a:r>
+                      <a:r>
+                        <a:rPr lang="en-US" altLang="zh-CN" dirty="0"/>
+                        <a:t>:</a:t>
+                      </a:r>
+                    </a:p>
+                    <a:p>
+                      <a:pPr marL="0" lvl="0" indent="0" algn="ctr" rtl="0">
+                        <a:spcBef>
+                          <a:spcPts val="0"/>
+                        </a:spcBef>
+                        <a:spcAft>
+                          <a:spcPts val="0"/>
+                        </a:spcAft>
+                        <a:buNone/>
+                      </a:pPr>
+                      <a:r>
+                        <a:rPr lang="en-US" dirty="0"/>
+                        <a:t>BERT</a:t>
+                      </a:r>
                       <a:endParaRPr dirty="0"/>
                     </a:p>
                   </a:txBody>
@@ -9031,10 +9096,10 @@
                         <a:buNone/>
                       </a:pPr>
                       <a:r>
-                        <a:rPr lang="zh-CN"/>
+                        <a:rPr lang="zh-CN" dirty="0"/>
                         <a:t>68.63%</a:t>
                       </a:r>
-                      <a:endParaRPr/>
+                      <a:endParaRPr dirty="0"/>
                     </a:p>
                   </a:txBody>
                   <a:tcPr marL="91425" marR="91425" marT="91425" marB="91425"/>
@@ -9054,10 +9119,10 @@
                         <a:buNone/>
                       </a:pPr>
                       <a:r>
-                        <a:rPr lang="zh-CN"/>
+                        <a:rPr lang="zh-CN" dirty="0"/>
                         <a:t>0.56</a:t>
                       </a:r>
-                      <a:endParaRPr/>
+                      <a:endParaRPr dirty="0"/>
                     </a:p>
                   </a:txBody>
                   <a:tcPr marL="91425" marR="91425" marT="91425" marB="91425"/>
@@ -10842,7 +10907,7 @@
               <a:buNone/>
             </a:pPr>
             <a:r>
-              <a:rPr lang="zh-CN" sz="1120">
+              <a:rPr lang="zh-CN" sz="1120" dirty="0">
                 <a:solidFill>
                   <a:srgbClr val="000000"/>
                 </a:solidFill>
@@ -10853,7 +10918,7 @@
               </a:rPr>
               <a:t>We use two datasets in this project. It reads data from two distinct datasets, the LIAR dataset and the FNC-1 dataset, processes the text to remove noise and standardize the format, and subsequently converts the textual data into numerical representations using Term FrequencyInverse Document Frequency (TF-IDF) vectorization. Specifically, we map the multi-class labels from both datasets to a binary classification scheme:</a:t>
             </a:r>
-            <a:endParaRPr sz="1120">
+            <a:endParaRPr sz="1120" dirty="0">
               <a:solidFill>
                 <a:srgbClr val="000000"/>
               </a:solidFill>
@@ -10878,7 +10943,7 @@
               <a:buNone/>
             </a:pPr>
             <a:r>
-              <a:rPr lang="zh-CN" sz="1120">
+              <a:rPr lang="zh-CN" sz="1120" dirty="0">
                 <a:solidFill>
                   <a:srgbClr val="000000"/>
                 </a:solidFill>
@@ -10889,7 +10954,7 @@
               </a:rPr>
               <a:t>In the LIAR dataset, statements categorized as “false”, “half-true”, “pants-fire”, and “barelytrue” are mapped to 0, and “mostly-true”, and “true” are mapped to 1.</a:t>
             </a:r>
-            <a:endParaRPr sz="1120">
+            <a:endParaRPr sz="1120" dirty="0">
               <a:solidFill>
                 <a:srgbClr val="000000"/>
               </a:solidFill>
@@ -10914,7 +10979,7 @@
               <a:buNone/>
             </a:pPr>
             <a:r>
-              <a:rPr lang="zh-CN" sz="1120">
+              <a:rPr lang="zh-CN" sz="1120" dirty="0">
                 <a:solidFill>
                   <a:srgbClr val="000000"/>
                 </a:solidFill>
@@ -10925,7 +10990,7 @@
               </a:rPr>
               <a:t>In the FNC-1 dataset, labels “agree”, “disagree”, and “discuss” are mapped to 1, while “unrelated is mapped to 0. This mapping suggests a focus on distinguishing related from unrelated statements rather than the traditional stance detection.</a:t>
             </a:r>
-            <a:endParaRPr sz="1120">
+            <a:endParaRPr sz="1120" dirty="0">
               <a:solidFill>
                 <a:srgbClr val="000000"/>
               </a:solidFill>
@@ -10950,7 +11015,7 @@
               <a:buNone/>
             </a:pPr>
             <a:r>
-              <a:rPr lang="zh-CN" sz="1120">
+              <a:rPr lang="zh-CN" sz="1120" dirty="0">
                 <a:solidFill>
                   <a:srgbClr val="000000"/>
                 </a:solidFill>
@@ -10962,7 +11027,7 @@
               <a:t>We train a 4-layer neural network model with only the LIAR dataset of 10 epochs and a batch size of 256. The accuracy on testset is </a:t>
             </a:r>
             <a:r>
-              <a:rPr lang="zh-CN" sz="1120" b="1">
+              <a:rPr lang="zh-CN" sz="1120" b="1" dirty="0">
                 <a:solidFill>
                   <a:srgbClr val="000000"/>
                 </a:solidFill>
@@ -10974,7 +11039,7 @@
               <a:t>64.72% </a:t>
             </a:r>
             <a:r>
-              <a:rPr lang="zh-CN" sz="1120">
+              <a:rPr lang="zh-CN" sz="1120" dirty="0">
                 <a:solidFill>
                   <a:srgbClr val="000000"/>
                 </a:solidFill>
@@ -10986,7 +11051,7 @@
               <a:t>and the F1 score is </a:t>
             </a:r>
             <a:r>
-              <a:rPr lang="zh-CN" sz="1120" b="1">
+              <a:rPr lang="zh-CN" sz="1120" b="1" dirty="0">
                 <a:solidFill>
                   <a:srgbClr val="000000"/>
                 </a:solidFill>
@@ -10998,7 +11063,7 @@
               <a:t>0.40</a:t>
             </a:r>
             <a:r>
-              <a:rPr lang="zh-CN" sz="1120">
+              <a:rPr lang="zh-CN" sz="1120" dirty="0">
                 <a:solidFill>
                   <a:srgbClr val="000000"/>
                 </a:solidFill>
@@ -11009,7 +11074,7 @@
               </a:rPr>
               <a:t>.</a:t>
             </a:r>
-            <a:endParaRPr sz="1120">
+            <a:endParaRPr sz="1120" dirty="0">
               <a:solidFill>
                 <a:srgbClr val="000000"/>
               </a:solidFill>
@@ -11034,7 +11099,7 @@
               <a:buNone/>
             </a:pPr>
             <a:r>
-              <a:rPr lang="zh-CN" sz="1120">
+              <a:rPr lang="zh-CN" sz="1120" dirty="0">
                 <a:solidFill>
                   <a:srgbClr val="000000"/>
                 </a:solidFill>
@@ -11046,7 +11111,7 @@
               <a:t>To use the FNC dataset which gives the relation label for news body and news title, we trained a simple neural network. We got </a:t>
             </a:r>
             <a:r>
-              <a:rPr lang="zh-CN" sz="1120" b="1" i="1">
+              <a:rPr lang="zh-CN" sz="1120" b="1" i="1" dirty="0">
                 <a:solidFill>
                   <a:srgbClr val="000000"/>
                 </a:solidFill>
@@ -11058,7 +11123,7 @@
               <a:t>64.85% </a:t>
             </a:r>
             <a:r>
-              <a:rPr lang="zh-CN" sz="1120">
+              <a:rPr lang="zh-CN" sz="1120" dirty="0">
                 <a:solidFill>
                   <a:srgbClr val="000000"/>
                 </a:solidFill>
@@ -11070,7 +11135,7 @@
               <a:t>accuracy and </a:t>
             </a:r>
             <a:r>
-              <a:rPr lang="zh-CN" sz="1120" b="1" i="1">
+              <a:rPr lang="zh-CN" sz="1120" b="1" i="1" dirty="0">
                 <a:solidFill>
                   <a:srgbClr val="000000"/>
                 </a:solidFill>
@@ -11082,7 +11147,7 @@
               <a:t>0.51 </a:t>
             </a:r>
             <a:r>
-              <a:rPr lang="zh-CN" sz="1120">
+              <a:rPr lang="zh-CN" sz="1120" dirty="0">
                 <a:solidFill>
                   <a:srgbClr val="000000"/>
                 </a:solidFill>
@@ -11093,7 +11158,7 @@
               </a:rPr>
               <a:t>f1 score for this model. We are assuming this model should have some feature extraction function after training. Then, we feed the LIAR data into this model, we can get a binary label indicating a potential relationship between the first sentence and the rest sentence.</a:t>
             </a:r>
-            <a:endParaRPr sz="1120">
+            <a:endParaRPr sz="1120" dirty="0">
               <a:solidFill>
                 <a:srgbClr val="000000"/>
               </a:solidFill>
@@ -11118,7 +11183,7 @@
               <a:buNone/>
             </a:pPr>
             <a:r>
-              <a:rPr lang="zh-CN" sz="1120">
+              <a:rPr lang="zh-CN" sz="1120" dirty="0">
                 <a:solidFill>
                   <a:srgbClr val="000000"/>
                 </a:solidFill>
@@ -11130,7 +11195,7 @@
               <a:t>With the extra feature obtained from the FNC model, we train a new neural network with the structure as the first model. The f1 score is better than the model using just LIAR dataset - </a:t>
             </a:r>
             <a:r>
-              <a:rPr lang="zh-CN" sz="1120" b="1">
+              <a:rPr lang="zh-CN" sz="1120" b="1" dirty="0">
                 <a:solidFill>
                   <a:srgbClr val="000000"/>
                 </a:solidFill>
@@ -11142,7 +11207,7 @@
               <a:t>0.45</a:t>
             </a:r>
             <a:r>
-              <a:rPr lang="zh-CN" sz="1120">
+              <a:rPr lang="zh-CN" sz="1120" dirty="0">
                 <a:solidFill>
                   <a:srgbClr val="000000"/>
                 </a:solidFill>
@@ -11154,7 +11219,7 @@
               <a:t>, but the accuracy, </a:t>
             </a:r>
             <a:r>
-              <a:rPr lang="zh-CN" sz="1120" b="1">
+              <a:rPr lang="zh-CN" sz="1120" b="1" dirty="0">
                 <a:solidFill>
                   <a:srgbClr val="000000"/>
                 </a:solidFill>
@@ -11166,7 +11231,7 @@
               <a:t>62.11%</a:t>
             </a:r>
             <a:r>
-              <a:rPr lang="zh-CN" sz="1120">
+              <a:rPr lang="zh-CN" sz="1120" dirty="0">
                 <a:solidFill>
                   <a:srgbClr val="000000"/>
                 </a:solidFill>
@@ -11177,7 +11242,7 @@
               </a:rPr>
               <a:t>, is lower than the first model.</a:t>
             </a:r>
-            <a:endParaRPr sz="1120">
+            <a:endParaRPr sz="1120" dirty="0">
               <a:solidFill>
                 <a:srgbClr val="000000"/>
               </a:solidFill>
@@ -11202,7 +11267,7 @@
               <a:buNone/>
             </a:pPr>
             <a:r>
-              <a:rPr lang="zh-CN" sz="1120">
+              <a:rPr lang="en-US" altLang="zh-CN" sz="1120" dirty="0">
                 <a:solidFill>
                   <a:srgbClr val="000000"/>
                 </a:solidFill>
@@ -11211,10 +11276,46 @@
                 <a:cs typeface="Arial"/>
                 <a:sym typeface="Arial"/>
               </a:rPr>
-              <a:t>We also implement the neural network model on the LIAR-PLUS test set. The model achieved a </a:t>
+              <a:t>            We noticed that the best result </a:t>
             </a:r>
             <a:r>
-              <a:rPr lang="zh-CN" sz="1120" b="1">
+              <a:rPr lang="zh-CN" sz="1120" dirty="0">
+                <a:solidFill>
+                  <a:srgbClr val="000000"/>
+                </a:solidFill>
+                <a:latin typeface="Arial"/>
+                <a:ea typeface="Arial"/>
+                <a:cs typeface="Arial"/>
+                <a:sym typeface="Arial"/>
+              </a:rPr>
+              <a:t>on the LIAR-PLUS test set</a:t>
+            </a:r>
+            <a:r>
+              <a:rPr lang="en-US" altLang="zh-CN" sz="1120" dirty="0">
+                <a:solidFill>
+                  <a:srgbClr val="000000"/>
+                </a:solidFill>
+                <a:latin typeface="Arial"/>
+                <a:ea typeface="Arial"/>
+                <a:cs typeface="Arial"/>
+                <a:sym typeface="Arial"/>
+              </a:rPr>
+              <a:t> is</a:t>
+            </a:r>
+            <a:r>
+              <a:rPr lang="zh-CN" sz="1120" dirty="0">
+                <a:solidFill>
+                  <a:srgbClr val="000000"/>
+                </a:solidFill>
+                <a:latin typeface="Arial"/>
+                <a:ea typeface="Arial"/>
+                <a:cs typeface="Arial"/>
+                <a:sym typeface="Arial"/>
+              </a:rPr>
+              <a:t> </a:t>
+            </a:r>
+            <a:r>
+              <a:rPr lang="zh-CN" sz="1120" b="1" dirty="0">
                 <a:solidFill>
                   <a:srgbClr val="000000"/>
                 </a:solidFill>
@@ -11226,7 +11327,7 @@
               <a:t>77.2% </a:t>
             </a:r>
             <a:r>
-              <a:rPr lang="zh-CN" sz="1120">
+              <a:rPr lang="zh-CN" sz="1120" dirty="0">
                 <a:solidFill>
                   <a:srgbClr val="000000"/>
                 </a:solidFill>
@@ -11238,7 +11339,7 @@
               <a:t>accuracy for binary classification, and a </a:t>
             </a:r>
             <a:r>
-              <a:rPr lang="zh-CN" sz="1120" b="1">
+              <a:rPr lang="zh-CN" sz="1120" b="1" dirty="0">
                 <a:solidFill>
                   <a:srgbClr val="000000"/>
                 </a:solidFill>
@@ -11250,7 +11351,7 @@
               <a:t>37.4% </a:t>
             </a:r>
             <a:r>
-              <a:rPr lang="zh-CN" sz="1120">
+              <a:rPr lang="zh-CN" sz="1120" dirty="0">
                 <a:solidFill>
                   <a:srgbClr val="000000"/>
                 </a:solidFill>
@@ -11259,9 +11360,9 @@
                 <a:cs typeface="Arial"/>
                 <a:sym typeface="Arial"/>
               </a:rPr>
-              <a:t>accuracy for 6-class classification. It suggests that some of the classes in the 6-class system may be similar to each other, making it difficult for the model to distinguish.</a:t>
+              <a:t>accuracy for 6-class classification. </a:t>
             </a:r>
-            <a:endParaRPr sz="1120">
+            <a:endParaRPr sz="1120" dirty="0">
               <a:solidFill>
                 <a:srgbClr val="000000"/>
               </a:solidFill>
@@ -11285,7 +11386,7 @@
               <a:buSzPts val="935"/>
               <a:buNone/>
             </a:pPr>
-            <a:endParaRPr sz="1629">
+            <a:endParaRPr sz="1629" dirty="0">
               <a:latin typeface="Arial"/>
               <a:ea typeface="Arial"/>
               <a:cs typeface="Arial"/>
@@ -11570,7 +11671,79 @@
                 <a:cs typeface="Arial"/>
                 <a:sym typeface="Arial"/>
               </a:rPr>
-              <a:t>, we used the "bert-base-uncased" model from HuggingFace. Considering model training time, complexity leading to overfitting, and GPU memory constraints, we set the number of BERT model layers to 2. When constructing the model, we used the AutoTokenizer and AutoModelForSequenceClassification from the transformers library to load the tokenizer and model, respectively. For model training, we employed the AdamW optimizer, which introduces weight decay to address potential overfitting issues with Adam in certain cases. The learning rate was set to 2e-5, and weight decay was set to 0.01. Additionally, we used a learning rate scheduler, starting with a small learning rate in the early training stages, gradually increasing it, and then maintaining a relatively stable learning rate in the later stages. This helps improve the model's stability in the early training phase and accelerates convergence in the later stages. We set the warm-up steps to 0.1 times the total steps.</a:t>
+              <a:t>, we used the </a:t>
+            </a:r>
+            <a:r>
+              <a:rPr lang="zh-CN" sz="1300" i="1" dirty="0">
+                <a:solidFill>
+                  <a:srgbClr val="000000"/>
+                </a:solidFill>
+                <a:latin typeface="Arial"/>
+                <a:ea typeface="Arial"/>
+                <a:cs typeface="Arial"/>
+                <a:sym typeface="Arial"/>
+              </a:rPr>
+              <a:t>"bert-base-uncased" </a:t>
+            </a:r>
+            <a:r>
+              <a:rPr lang="zh-CN" sz="1300" dirty="0">
+                <a:solidFill>
+                  <a:srgbClr val="000000"/>
+                </a:solidFill>
+                <a:latin typeface="Arial"/>
+                <a:ea typeface="Arial"/>
+                <a:cs typeface="Arial"/>
+                <a:sym typeface="Arial"/>
+              </a:rPr>
+              <a:t>model from HuggingFace. Considering model training time, complexity leading to overfitting, and GPU memory constraints, we set the number of BERT model layers to 2. When constructing the model, we used the </a:t>
+            </a:r>
+            <a:r>
+              <a:rPr lang="zh-CN" sz="1300" i="1" dirty="0">
+                <a:solidFill>
+                  <a:srgbClr val="000000"/>
+                </a:solidFill>
+                <a:latin typeface="Arial"/>
+                <a:ea typeface="Arial"/>
+                <a:cs typeface="Arial"/>
+                <a:sym typeface="Arial"/>
+              </a:rPr>
+              <a:t>AutoTokenizer</a:t>
+            </a:r>
+            <a:r>
+              <a:rPr lang="zh-CN" sz="1300" dirty="0">
+                <a:solidFill>
+                  <a:srgbClr val="000000"/>
+                </a:solidFill>
+                <a:latin typeface="Arial"/>
+                <a:ea typeface="Arial"/>
+                <a:cs typeface="Arial"/>
+                <a:sym typeface="Arial"/>
+              </a:rPr>
+              <a:t> and </a:t>
+            </a:r>
+            <a:r>
+              <a:rPr lang="zh-CN" sz="1300" i="1" dirty="0">
+                <a:solidFill>
+                  <a:srgbClr val="000000"/>
+                </a:solidFill>
+                <a:latin typeface="Arial"/>
+                <a:ea typeface="Arial"/>
+                <a:cs typeface="Arial"/>
+                <a:sym typeface="Arial"/>
+              </a:rPr>
+              <a:t>AutoModelForSequenceClassification</a:t>
+            </a:r>
+            <a:r>
+              <a:rPr lang="zh-CN" sz="1300" dirty="0">
+                <a:solidFill>
+                  <a:srgbClr val="000000"/>
+                </a:solidFill>
+                <a:latin typeface="Arial"/>
+                <a:ea typeface="Arial"/>
+                <a:cs typeface="Arial"/>
+                <a:sym typeface="Arial"/>
+              </a:rPr>
+              <a:t> from the transformers library to load the tokenizer and model, respectively. For model training, we employed the AdamW optimizer, which introduces weight decay to address potential overfitting issues with Adam in certain cases. The learning rate was set to 2e-5, and weight decay was set to 0.01. Additionally, we used a learning rate scheduler, starting with a small learning rate in the early training stages, gradually increasing it, and then maintaining a relatively stable learning rate in the later stages. This helps improve the model's stability in the early training phase and accelerates convergence in the later stages. We set the warm-up steps to 0.1 times the total steps.</a:t>
             </a:r>
             <a:endParaRPr sz="1300" dirty="0">
               <a:solidFill>

--- a/milestone 3/Fake News Detection.pptx
+++ b/milestone 3/Fake News Detection.pptx
@@ -8710,7 +8710,7 @@
           <p:nvPr>
             <p:extLst>
               <p:ext uri="{D42A27DB-BD31-4B8C-83A1-F6EECF244321}">
-                <p14:modId xmlns:p14="http://schemas.microsoft.com/office/powerpoint/2010/main" val="1716658513"/>
+                <p14:modId xmlns:p14="http://schemas.microsoft.com/office/powerpoint/2010/main" val="69269638"/>
               </p:ext>
             </p:extLst>
           </p:nvPr>
@@ -9097,7 +9097,15 @@
                       </a:pPr>
                       <a:r>
                         <a:rPr lang="zh-CN" dirty="0"/>
-                        <a:t>68.63%</a:t>
+                        <a:t>68.</a:t>
+                      </a:r>
+                      <a:r>
+                        <a:rPr lang="en-US" altLang="zh-CN" dirty="0"/>
+                        <a:t>82</a:t>
+                      </a:r>
+                      <a:r>
+                        <a:rPr lang="zh-CN" dirty="0"/>
+                        <a:t>%</a:t>
                       </a:r>
                       <a:endParaRPr dirty="0"/>
                     </a:p>
@@ -9120,7 +9128,11 @@
                       </a:pPr>
                       <a:r>
                         <a:rPr lang="zh-CN" dirty="0"/>
-                        <a:t>0.56</a:t>
+                        <a:t>0.5</a:t>
+                      </a:r>
+                      <a:r>
+                        <a:rPr lang="en-US" altLang="zh-CN"/>
+                        <a:t>1</a:t>
                       </a:r>
                       <a:endParaRPr dirty="0"/>
                     </a:p>
